--- a/assets/pptx/LC23.pptx
+++ b/assets/pptx/LC23.pptx
@@ -222,7 +222,7 @@
           <a:p>
             <a:fld id="{2C586666-B1AA-40AD-AF32-4D58C2EFA190}" type="datetimeFigureOut">
               <a:rPr lang="fr-FR" smtClean="0"/>
-              <a:t>20/06/2021</a:t>
+              <a:t>27/06/2021</a:t>
             </a:fld>
             <a:endParaRPr lang="fr-FR"/>
           </a:p>
@@ -720,7 +720,7 @@
           <a:p>
             <a:fld id="{991E5CA5-0F21-4A7A-8A9E-73621D02A104}" type="datetimeFigureOut">
               <a:rPr lang="fr-FR" smtClean="0"/>
-              <a:t>20/06/2021</a:t>
+              <a:t>27/06/2021</a:t>
             </a:fld>
             <a:endParaRPr lang="fr-FR"/>
           </a:p>
@@ -918,7 +918,7 @@
           <a:p>
             <a:fld id="{991E5CA5-0F21-4A7A-8A9E-73621D02A104}" type="datetimeFigureOut">
               <a:rPr lang="fr-FR" smtClean="0"/>
-              <a:t>20/06/2021</a:t>
+              <a:t>27/06/2021</a:t>
             </a:fld>
             <a:endParaRPr lang="fr-FR"/>
           </a:p>
@@ -1126,7 +1126,7 @@
           <a:p>
             <a:fld id="{991E5CA5-0F21-4A7A-8A9E-73621D02A104}" type="datetimeFigureOut">
               <a:rPr lang="fr-FR" smtClean="0"/>
-              <a:t>20/06/2021</a:t>
+              <a:t>27/06/2021</a:t>
             </a:fld>
             <a:endParaRPr lang="fr-FR"/>
           </a:p>
@@ -1324,7 +1324,7 @@
           <a:p>
             <a:fld id="{991E5CA5-0F21-4A7A-8A9E-73621D02A104}" type="datetimeFigureOut">
               <a:rPr lang="fr-FR" smtClean="0"/>
-              <a:t>20/06/2021</a:t>
+              <a:t>27/06/2021</a:t>
             </a:fld>
             <a:endParaRPr lang="fr-FR"/>
           </a:p>
@@ -1599,7 +1599,7 @@
           <a:p>
             <a:fld id="{991E5CA5-0F21-4A7A-8A9E-73621D02A104}" type="datetimeFigureOut">
               <a:rPr lang="fr-FR" smtClean="0"/>
-              <a:t>20/06/2021</a:t>
+              <a:t>27/06/2021</a:t>
             </a:fld>
             <a:endParaRPr lang="fr-FR"/>
           </a:p>
@@ -1864,7 +1864,7 @@
           <a:p>
             <a:fld id="{991E5CA5-0F21-4A7A-8A9E-73621D02A104}" type="datetimeFigureOut">
               <a:rPr lang="fr-FR" smtClean="0"/>
-              <a:t>20/06/2021</a:t>
+              <a:t>27/06/2021</a:t>
             </a:fld>
             <a:endParaRPr lang="fr-FR"/>
           </a:p>
@@ -2276,7 +2276,7 @@
           <a:p>
             <a:fld id="{991E5CA5-0F21-4A7A-8A9E-73621D02A104}" type="datetimeFigureOut">
               <a:rPr lang="fr-FR" smtClean="0"/>
-              <a:t>20/06/2021</a:t>
+              <a:t>27/06/2021</a:t>
             </a:fld>
             <a:endParaRPr lang="fr-FR"/>
           </a:p>
@@ -2417,7 +2417,7 @@
           <a:p>
             <a:fld id="{991E5CA5-0F21-4A7A-8A9E-73621D02A104}" type="datetimeFigureOut">
               <a:rPr lang="fr-FR" smtClean="0"/>
-              <a:t>20/06/2021</a:t>
+              <a:t>27/06/2021</a:t>
             </a:fld>
             <a:endParaRPr lang="fr-FR"/>
           </a:p>
@@ -2530,7 +2530,7 @@
           <a:p>
             <a:fld id="{991E5CA5-0F21-4A7A-8A9E-73621D02A104}" type="datetimeFigureOut">
               <a:rPr lang="fr-FR" smtClean="0"/>
-              <a:t>20/06/2021</a:t>
+              <a:t>27/06/2021</a:t>
             </a:fld>
             <a:endParaRPr lang="fr-FR"/>
           </a:p>
@@ -2841,7 +2841,7 @@
           <a:p>
             <a:fld id="{991E5CA5-0F21-4A7A-8A9E-73621D02A104}" type="datetimeFigureOut">
               <a:rPr lang="fr-FR" smtClean="0"/>
-              <a:t>20/06/2021</a:t>
+              <a:t>27/06/2021</a:t>
             </a:fld>
             <a:endParaRPr lang="fr-FR"/>
           </a:p>
@@ -3129,7 +3129,7 @@
           <a:p>
             <a:fld id="{991E5CA5-0F21-4A7A-8A9E-73621D02A104}" type="datetimeFigureOut">
               <a:rPr lang="fr-FR" smtClean="0"/>
-              <a:t>20/06/2021</a:t>
+              <a:t>27/06/2021</a:t>
             </a:fld>
             <a:endParaRPr lang="fr-FR"/>
           </a:p>
@@ -3370,7 +3370,7 @@
           <a:p>
             <a:fld id="{991E5CA5-0F21-4A7A-8A9E-73621D02A104}" type="datetimeFigureOut">
               <a:rPr lang="fr-FR" smtClean="0"/>
-              <a:t>20/06/2021</a:t>
+              <a:t>27/06/2021</a:t>
             </a:fld>
             <a:endParaRPr lang="fr-FR"/>
           </a:p>
@@ -10922,7 +10922,7 @@
           <p:nvPr/>
         </p:nvPicPr>
         <p:blipFill rotWithShape="1">
-          <a:blip r:embed="rId11"/>
+          <a:blip r:embed="rId10"/>
           <a:srcRect l="26334" t="25803" r="36111" b="24815"/>
           <a:stretch/>
         </p:blipFill>
@@ -11386,7 +11386,7 @@
           </p:nvPr>
         </p:nvPicPr>
         <p:blipFill>
-          <a:blip r:embed="rId12">
+          <a:blip r:embed="rId11">
             <a:extLst>
               <a:ext uri="{28A0092B-C50C-407E-A947-70E740481C1C}">
                 <a14:useLocalDpi xmlns:a14="http://schemas.microsoft.com/office/drawing/2010/main" val="0"/>
@@ -11426,7 +11426,7 @@
           </p:nvPr>
         </p:nvPicPr>
         <p:blipFill>
-          <a:blip r:embed="rId13">
+          <a:blip r:embed="rId12">
             <a:extLst>
               <a:ext uri="{28A0092B-C50C-407E-A947-70E740481C1C}">
                 <a14:useLocalDpi xmlns:a14="http://schemas.microsoft.com/office/drawing/2010/main" val="0"/>
@@ -11466,7 +11466,7 @@
           </p:nvPr>
         </p:nvPicPr>
         <p:blipFill>
-          <a:blip r:embed="rId14">
+          <a:blip r:embed="rId13">
             <a:extLst>
               <a:ext uri="{28A0092B-C50C-407E-A947-70E740481C1C}">
                 <a14:useLocalDpi xmlns:a14="http://schemas.microsoft.com/office/drawing/2010/main" val="0"/>
@@ -11531,46 +11531,6 @@
           </a:p>
         </p:txBody>
       </p:sp>
-      <p:pic>
-        <p:nvPicPr>
-          <p:cNvPr id="5" name="Image 4">
-            <a:extLst>
-              <a:ext uri="{FF2B5EF4-FFF2-40B4-BE49-F238E27FC236}">
-                <a16:creationId xmlns:a16="http://schemas.microsoft.com/office/drawing/2014/main" id="{F7D4053F-C92C-4B74-BB35-6C8BB32377F4}"/>
-              </a:ext>
-            </a:extLst>
-          </p:cNvPr>
-          <p:cNvPicPr>
-            <a:picLocks noChangeAspect="1"/>
-          </p:cNvPicPr>
-          <p:nvPr>
-            <p:custDataLst>
-              <p:tags r:id="rId4"/>
-            </p:custDataLst>
-          </p:nvPr>
-        </p:nvPicPr>
-        <p:blipFill>
-          <a:blip r:embed="rId15">
-            <a:extLst>
-              <a:ext uri="{28A0092B-C50C-407E-A947-70E740481C1C}">
-                <a14:useLocalDpi xmlns:a14="http://schemas.microsoft.com/office/drawing/2010/main" val="0"/>
-              </a:ext>
-            </a:extLst>
-          </a:blip>
-          <a:stretch>
-            <a:fillRect/>
-          </a:stretch>
-        </p:blipFill>
-        <p:spPr>
-          <a:xfrm>
-            <a:off x="4639777" y="187045"/>
-            <a:ext cx="3573565" cy="309333"/>
-          </a:xfrm>
-          <a:prstGeom prst="rect">
-            <a:avLst/>
-          </a:prstGeom>
-        </p:spPr>
-      </p:pic>
       <p:sp>
         <p:nvSpPr>
           <p:cNvPr id="6" name="Ellipse 5">
@@ -11783,12 +11743,12 @@
           </p:cNvPicPr>
           <p:nvPr>
             <p:custDataLst>
-              <p:tags r:id="rId5"/>
+              <p:tags r:id="rId4"/>
             </p:custDataLst>
           </p:nvPr>
         </p:nvPicPr>
         <p:blipFill>
-          <a:blip r:embed="rId16">
+          <a:blip r:embed="rId14">
             <a:extLst>
               <a:ext uri="{28A0092B-C50C-407E-A947-70E740481C1C}">
                 <a14:useLocalDpi xmlns:a14="http://schemas.microsoft.com/office/drawing/2010/main" val="0"/>
@@ -11964,12 +11924,12 @@
           </p:cNvPicPr>
           <p:nvPr>
             <p:custDataLst>
-              <p:tags r:id="rId6"/>
+              <p:tags r:id="rId5"/>
             </p:custDataLst>
           </p:nvPr>
         </p:nvPicPr>
         <p:blipFill>
-          <a:blip r:embed="rId17">
+          <a:blip r:embed="rId15">
             <a:extLst>
               <a:ext uri="{28A0092B-C50C-407E-A947-70E740481C1C}">
                 <a14:useLocalDpi xmlns:a14="http://schemas.microsoft.com/office/drawing/2010/main" val="0"/>
@@ -12234,12 +12194,12 @@
           </p:cNvPicPr>
           <p:nvPr>
             <p:custDataLst>
-              <p:tags r:id="rId7"/>
+              <p:tags r:id="rId6"/>
             </p:custDataLst>
           </p:nvPr>
         </p:nvPicPr>
         <p:blipFill>
-          <a:blip r:embed="rId18">
+          <a:blip r:embed="rId16">
             <a:extLst>
               <a:ext uri="{28A0092B-C50C-407E-A947-70E740481C1C}">
                 <a14:useLocalDpi xmlns:a14="http://schemas.microsoft.com/office/drawing/2010/main" val="0"/>
@@ -12274,12 +12234,12 @@
           </p:cNvPicPr>
           <p:nvPr>
             <p:custDataLst>
-              <p:tags r:id="rId8"/>
+              <p:tags r:id="rId7"/>
             </p:custDataLst>
           </p:nvPr>
         </p:nvPicPr>
         <p:blipFill>
-          <a:blip r:embed="rId19">
+          <a:blip r:embed="rId17">
             <a:extLst>
               <a:ext uri="{28A0092B-C50C-407E-A947-70E740481C1C}">
                 <a14:useLocalDpi xmlns:a14="http://schemas.microsoft.com/office/drawing/2010/main" val="0"/>
@@ -12314,12 +12274,12 @@
           </p:cNvPicPr>
           <p:nvPr>
             <p:custDataLst>
-              <p:tags r:id="rId9"/>
+              <p:tags r:id="rId8"/>
             </p:custDataLst>
           </p:nvPr>
         </p:nvPicPr>
         <p:blipFill>
-          <a:blip r:embed="rId20">
+          <a:blip r:embed="rId18">
             <a:extLst>
               <a:ext uri="{28A0092B-C50C-407E-A947-70E740481C1C}">
                 <a14:useLocalDpi xmlns:a14="http://schemas.microsoft.com/office/drawing/2010/main" val="0"/>
@@ -12340,6 +12300,45 @@
           </a:prstGeom>
         </p:spPr>
       </p:pic>
+      <p:sp>
+        <p:nvSpPr>
+          <p:cNvPr id="3" name="ZoneTexte 2">
+            <a:extLst>
+              <a:ext uri="{FF2B5EF4-FFF2-40B4-BE49-F238E27FC236}">
+                <a16:creationId xmlns:a16="http://schemas.microsoft.com/office/drawing/2014/main" id="{E74A60A3-F60A-3D4B-9640-84ED005D08EE}"/>
+              </a:ext>
+            </a:extLst>
+          </p:cNvPr>
+          <p:cNvSpPr txBox="1"/>
+          <p:nvPr/>
+        </p:nvSpPr>
+        <p:spPr>
+          <a:xfrm>
+            <a:off x="3886148" y="110011"/>
+            <a:ext cx="4880113" cy="461665"/>
+          </a:xfrm>
+          <a:prstGeom prst="rect">
+            <a:avLst/>
+          </a:prstGeom>
+          <a:noFill/>
+        </p:spPr>
+        <p:txBody>
+          <a:bodyPr wrap="square" rtlCol="0">
+            <a:spAutoFit/>
+          </a:bodyPr>
+          <a:lstStyle/>
+          <a:p>
+            <a:r>
+              <a:rPr lang="fr-FR" sz="2400" dirty="0">
+                <a:solidFill>
+                  <a:schemeClr val="bg1"/>
+                </a:solidFill>
+              </a:rPr>
+              <a:t>Passage en milieu acide</a:t>
+            </a:r>
+          </a:p>
+        </p:txBody>
+      </p:sp>
     </p:spTree>
     <p:extLst>
       <p:ext uri="{BB962C8B-B14F-4D97-AF65-F5344CB8AC3E}">
@@ -29004,25 +29003,6 @@
 <file path=ppt/tags/tag46.xml><?xml version="1.0" encoding="utf-8"?>
 <p:tagLst xmlns:a="http://schemas.openxmlformats.org/drawingml/2006/main" xmlns:r="http://schemas.openxmlformats.org/officeDocument/2006/relationships" xmlns:p="http://schemas.openxmlformats.org/presentationml/2006/main">
   <p:tag name="OUTPUTDPI" val="1200"/>
-  <p:tag name="ORIGINALHEIGHT" val="111,7361"/>
-  <p:tag name="ORIGINALWIDTH" val="1400,075"/>
-  <p:tag name="LATEXADDIN" val="\documentclass{article}&#10;\usepackage{amsmath}&#10;\usepackage{color}&#10;\pagestyle{empty}&#10;\begin{document}&#10;\color{white}{Passage en milieu basique}&#10;&#10;&#10;&#10;\end{document}"/>
-  <p:tag name="IGUANATEXSIZE" val="25"/>
-  <p:tag name="IGUANATEXCURSOR" val="138"/>
-  <p:tag name="TRANSPARENCY" val="Vrai"/>
-  <p:tag name="FILENAME" val=""/>
-  <p:tag name="LATEXENGINEID" val="0"/>
-  <p:tag name="TEMPFOLDER" val="c:\temp\"/>
-  <p:tag name="LATEXFORMHEIGHT" val="312"/>
-  <p:tag name="LATEXFORMWIDTH" val="384"/>
-  <p:tag name="LATEXFORMWRAP" val="Vrai"/>
-  <p:tag name="BITMAPVECTOR" val="0"/>
-</p:tagLst>
-</file>
-
-<file path=ppt/tags/tag47.xml><?xml version="1.0" encoding="utf-8"?>
-<p:tagLst xmlns:a="http://schemas.openxmlformats.org/drawingml/2006/main" xmlns:r="http://schemas.openxmlformats.org/officeDocument/2006/relationships" xmlns:p="http://schemas.openxmlformats.org/presentationml/2006/main">
-  <p:tag name="OUTPUTDPI" val="1200"/>
   <p:tag name="ORIGINALHEIGHT" val="108,7364"/>
   <p:tag name="ORIGINALWIDTH" val="311,961"/>
   <p:tag name="LATEXADDIN" val="\documentclass{article}&#10;\usepackage{amsmath}&#10;\pagestyle{empty}&#10;\begin{document}&#10;&#10;pH=2&#10;&#10;&#10;\end{document}"/>
@@ -29039,7 +29019,7 @@
 </p:tagLst>
 </file>
 
-<file path=ppt/tags/tag48.xml><?xml version="1.0" encoding="utf-8"?>
+<file path=ppt/tags/tag47.xml><?xml version="1.0" encoding="utf-8"?>
 <p:tagLst xmlns:a="http://schemas.openxmlformats.org/drawingml/2006/main" xmlns:r="http://schemas.openxmlformats.org/officeDocument/2006/relationships" xmlns:p="http://schemas.openxmlformats.org/presentationml/2006/main">
   <p:tag name="OUTPUTDPI" val="1200"/>
   <p:tag name="ORIGINALHEIGHT" val="125,2343"/>
@@ -29058,7 +29038,7 @@
 </p:tagLst>
 </file>
 
-<file path=ppt/tags/tag49.xml><?xml version="1.0" encoding="utf-8"?>
+<file path=ppt/tags/tag48.xml><?xml version="1.0" encoding="utf-8"?>
 <p:tagLst xmlns:a="http://schemas.openxmlformats.org/drawingml/2006/main" xmlns:r="http://schemas.openxmlformats.org/officeDocument/2006/relationships" xmlns:p="http://schemas.openxmlformats.org/presentationml/2006/main">
   <p:tag name="OUTPUTDPI" val="1200"/>
   <p:tag name="ORIGINALHEIGHT" val="102,7372"/>
@@ -29066,6 +29046,25 @@
   <p:tag name="LATEXADDIN" val="\documentclass{article}&#10;\usepackage{amsmath}&#10;\pagestyle{empty}&#10;\begin{document}&#10;&#10;&#10;Mn$^{3+}$&#10;&#10;\end{document}"/>
   <p:tag name="IGUANATEXSIZE" val="20"/>
   <p:tag name="IGUANATEXCURSOR" val="91"/>
+  <p:tag name="TRANSPARENCY" val="Vrai"/>
+  <p:tag name="FILENAME" val=""/>
+  <p:tag name="LATEXENGINEID" val="0"/>
+  <p:tag name="TEMPFOLDER" val="c:\temp\"/>
+  <p:tag name="LATEXFORMHEIGHT" val="312"/>
+  <p:tag name="LATEXFORMWIDTH" val="384"/>
+  <p:tag name="LATEXFORMWRAP" val="Vrai"/>
+  <p:tag name="BITMAPVECTOR" val="0"/>
+</p:tagLst>
+</file>
+
+<file path=ppt/tags/tag49.xml><?xml version="1.0" encoding="utf-8"?>
+<p:tagLst xmlns:a="http://schemas.openxmlformats.org/drawingml/2006/main" xmlns:r="http://schemas.openxmlformats.org/officeDocument/2006/relationships" xmlns:p="http://schemas.openxmlformats.org/presentationml/2006/main">
+  <p:tag name="OUTPUTDPI" val="1200"/>
+  <p:tag name="ORIGINALHEIGHT" val="125,2343"/>
+  <p:tag name="ORIGINALWIDTH" val="655,418"/>
+  <p:tag name="LATEXADDIN" val="\documentclass{article}&#10;\usepackage{amsmath}&#10;\pagestyle{empty}&#10;\begin{document}&#10;&#10;Mn(OH)$_3$(s)&#10;&#10;&#10;\end{document}"/>
+  <p:tag name="IGUANATEXSIZE" val="20"/>
+  <p:tag name="IGUANATEXCURSOR" val="90"/>
   <p:tag name="TRANSPARENCY" val="Vrai"/>
   <p:tag name="FILENAME" val=""/>
   <p:tag name="LATEXENGINEID" val="0"/>
@@ -29099,25 +29098,6 @@
 <file path=ppt/tags/tag50.xml><?xml version="1.0" encoding="utf-8"?>
 <p:tagLst xmlns:a="http://schemas.openxmlformats.org/drawingml/2006/main" xmlns:r="http://schemas.openxmlformats.org/officeDocument/2006/relationships" xmlns:p="http://schemas.openxmlformats.org/presentationml/2006/main">
   <p:tag name="OUTPUTDPI" val="1200"/>
-  <p:tag name="ORIGINALHEIGHT" val="125,2343"/>
-  <p:tag name="ORIGINALWIDTH" val="655,418"/>
-  <p:tag name="LATEXADDIN" val="\documentclass{article}&#10;\usepackage{amsmath}&#10;\pagestyle{empty}&#10;\begin{document}&#10;&#10;Mn(OH)$_3$(s)&#10;&#10;&#10;\end{document}"/>
-  <p:tag name="IGUANATEXSIZE" val="20"/>
-  <p:tag name="IGUANATEXCURSOR" val="90"/>
-  <p:tag name="TRANSPARENCY" val="Vrai"/>
-  <p:tag name="FILENAME" val=""/>
-  <p:tag name="LATEXENGINEID" val="0"/>
-  <p:tag name="TEMPFOLDER" val="c:\temp\"/>
-  <p:tag name="LATEXFORMHEIGHT" val="312"/>
-  <p:tag name="LATEXFORMWIDTH" val="384"/>
-  <p:tag name="LATEXFORMWRAP" val="Vrai"/>
-  <p:tag name="BITMAPVECTOR" val="0"/>
-</p:tagLst>
-</file>
-
-<file path=ppt/tags/tag51.xml><?xml version="1.0" encoding="utf-8"?>
-<p:tagLst xmlns:a="http://schemas.openxmlformats.org/drawingml/2006/main" xmlns:r="http://schemas.openxmlformats.org/officeDocument/2006/relationships" xmlns:p="http://schemas.openxmlformats.org/presentationml/2006/main">
-  <p:tag name="OUTPUTDPI" val="1200"/>
   <p:tag name="ORIGINALHEIGHT" val="134,2332"/>
   <p:tag name="ORIGINALWIDTH" val="524,1845"/>
   <p:tag name="LATEXADDIN" val="\documentclass{article}&#10;\usepackage{amsmath}&#10;\pagestyle{empty}&#10;\begin{document}&#10;&#10;&#10;Mn$^{2+}$(aq)&#10;&#10;\end{document}"/>
@@ -29134,7 +29114,7 @@
 </p:tagLst>
 </file>
 
-<file path=ppt/tags/tag52.xml><?xml version="1.0" encoding="utf-8"?>
+<file path=ppt/tags/tag51.xml><?xml version="1.0" encoding="utf-8"?>
 <p:tagLst xmlns:a="http://schemas.openxmlformats.org/drawingml/2006/main" xmlns:r="http://schemas.openxmlformats.org/officeDocument/2006/relationships" xmlns:p="http://schemas.openxmlformats.org/presentationml/2006/main">
   <p:tag name="OUTPUTDPI" val="1200"/>
   <p:tag name="ORIGINALHEIGHT" val="125,2343"/>
@@ -29153,7 +29133,7 @@
 </p:tagLst>
 </file>
 
-<file path=ppt/tags/tag53.xml><?xml version="1.0" encoding="utf-8"?>
+<file path=ppt/tags/tag52.xml><?xml version="1.0" encoding="utf-8"?>
 <p:tagLst xmlns:a="http://schemas.openxmlformats.org/drawingml/2006/main" xmlns:r="http://schemas.openxmlformats.org/officeDocument/2006/relationships" xmlns:p="http://schemas.openxmlformats.org/presentationml/2006/main">
   <p:tag name="OUTPUTDPI" val="1200"/>
   <p:tag name="ORIGINALHEIGHT" val="86,23921"/>
@@ -29172,7 +29152,7 @@
 </p:tagLst>
 </file>
 
-<file path=ppt/tags/tag54.xml><?xml version="1.0" encoding="utf-8"?>
+<file path=ppt/tags/tag53.xml><?xml version="1.0" encoding="utf-8"?>
 <p:tagLst xmlns:a="http://schemas.openxmlformats.org/drawingml/2006/main" xmlns:r="http://schemas.openxmlformats.org/officeDocument/2006/relationships" xmlns:p="http://schemas.openxmlformats.org/presentationml/2006/main">
   <p:tag name="OUTPUTDPI" val="1200"/>
   <p:tag name="ORIGINALHEIGHT" val="112,4859"/>
@@ -29191,7 +29171,7 @@
 </p:tagLst>
 </file>
 
-<file path=ppt/tags/tag55.xml><?xml version="1.0" encoding="utf-8"?>
+<file path=ppt/tags/tag54.xml><?xml version="1.0" encoding="utf-8"?>
 <p:tagLst xmlns:a="http://schemas.openxmlformats.org/drawingml/2006/main" xmlns:r="http://schemas.openxmlformats.org/officeDocument/2006/relationships" xmlns:p="http://schemas.openxmlformats.org/presentationml/2006/main">
   <p:tag name="OUTPUTDPI" val="1200"/>
   <p:tag name="ORIGINALHEIGHT" val="111,7361"/>
@@ -29210,7 +29190,7 @@
 </p:tagLst>
 </file>
 
-<file path=ppt/tags/tag56.xml><?xml version="1.0" encoding="utf-8"?>
+<file path=ppt/tags/tag55.xml><?xml version="1.0" encoding="utf-8"?>
 <p:tagLst xmlns:a="http://schemas.openxmlformats.org/drawingml/2006/main" xmlns:r="http://schemas.openxmlformats.org/officeDocument/2006/relationships" xmlns:p="http://schemas.openxmlformats.org/presentationml/2006/main">
   <p:tag name="OUTPUTDPI" val="1200"/>
   <p:tag name="ORIGINALHEIGHT" val="114,7357"/>
@@ -29229,7 +29209,7 @@
 </p:tagLst>
 </file>
 
-<file path=ppt/tags/tag57.xml><?xml version="1.0" encoding="utf-8"?>
+<file path=ppt/tags/tag56.xml><?xml version="1.0" encoding="utf-8"?>
 <p:tagLst xmlns:a="http://schemas.openxmlformats.org/drawingml/2006/main" xmlns:r="http://schemas.openxmlformats.org/officeDocument/2006/relationships" xmlns:p="http://schemas.openxmlformats.org/presentationml/2006/main">
   <p:tag name="OUTPUTDPI" val="1200"/>
   <p:tag name="ORIGINALHEIGHT" val="134,9832"/>
@@ -29248,7 +29228,7 @@
 </p:tagLst>
 </file>
 
-<file path=ppt/tags/tag58.xml><?xml version="1.0" encoding="utf-8"?>
+<file path=ppt/tags/tag57.xml><?xml version="1.0" encoding="utf-8"?>
 <p:tagLst xmlns:a="http://schemas.openxmlformats.org/drawingml/2006/main" xmlns:r="http://schemas.openxmlformats.org/officeDocument/2006/relationships" xmlns:p="http://schemas.openxmlformats.org/presentationml/2006/main">
   <p:tag name="OUTPUTDPI" val="1200"/>
   <p:tag name="ORIGINALHEIGHT" val="90,73866"/>
@@ -29267,7 +29247,7 @@
 </p:tagLst>
 </file>
 
-<file path=ppt/tags/tag59.xml><?xml version="1.0" encoding="utf-8"?>
+<file path=ppt/tags/tag58.xml><?xml version="1.0" encoding="utf-8"?>
 <p:tagLst xmlns:a="http://schemas.openxmlformats.org/drawingml/2006/main" xmlns:r="http://schemas.openxmlformats.org/officeDocument/2006/relationships" xmlns:p="http://schemas.openxmlformats.org/presentationml/2006/main">
   <p:tag name="OUTPUTDPI" val="1200"/>
   <p:tag name="ORIGINALHEIGHT" val="134,2332"/>
@@ -29275,6 +29255,25 @@
   <p:tag name="LATEXADDIN" val="\documentclass{article}&#10;\usepackage{amsmath}&#10;\pagestyle{empty}&#10;\begin{document}&#10;&#10;$c_1$=1.00$\cdot 10^{-2}$ mol/L&#10;&#10;&#10;&#10;\end{document}"/>
   <p:tag name="IGUANATEXSIZE" val="20"/>
   <p:tag name="IGUANATEXCURSOR" val="104"/>
+  <p:tag name="TRANSPARENCY" val="Vrai"/>
+  <p:tag name="FILENAME" val=""/>
+  <p:tag name="LATEXENGINEID" val="0"/>
+  <p:tag name="TEMPFOLDER" val="c:\temp\"/>
+  <p:tag name="LATEXFORMHEIGHT" val="312"/>
+  <p:tag name="LATEXFORMWIDTH" val="384"/>
+  <p:tag name="LATEXFORMWRAP" val="Vrai"/>
+  <p:tag name="BITMAPVECTOR" val="0"/>
+</p:tagLst>
+</file>
+
+<file path=ppt/tags/tag59.xml><?xml version="1.0" encoding="utf-8"?>
+<p:tagLst xmlns:a="http://schemas.openxmlformats.org/drawingml/2006/main" xmlns:r="http://schemas.openxmlformats.org/officeDocument/2006/relationships" xmlns:p="http://schemas.openxmlformats.org/presentationml/2006/main">
+  <p:tag name="OUTPUTDPI" val="1200"/>
+  <p:tag name="ORIGINALHEIGHT" val="174,7282"/>
+  <p:tag name="ORIGINALWIDTH" val="949,3813"/>
+  <p:tag name="LATEXADDIN" val="\documentclass{article}&#10;\usepackage{amsmath}&#10;\pagestyle{empty}&#10;\begin{document}&#10;&#10;&#10;$I_{2(aq)}+2S_2O^{2-}_{3(aq)} $&#10;&#10;\end{document}"/>
+  <p:tag name="IGUANATEXSIZE" val="20"/>
+  <p:tag name="IGUANATEXCURSOR" val="94"/>
   <p:tag name="TRANSPARENCY" val="Vrai"/>
   <p:tag name="FILENAME" val=""/>
   <p:tag name="LATEXENGINEID" val="0"/>
@@ -29309,25 +29308,6 @@
 <p:tagLst xmlns:a="http://schemas.openxmlformats.org/drawingml/2006/main" xmlns:r="http://schemas.openxmlformats.org/officeDocument/2006/relationships" xmlns:p="http://schemas.openxmlformats.org/presentationml/2006/main">
   <p:tag name="OUTPUTDPI" val="1200"/>
   <p:tag name="ORIGINALHEIGHT" val="174,7282"/>
-  <p:tag name="ORIGINALWIDTH" val="949,3813"/>
-  <p:tag name="LATEXADDIN" val="\documentclass{article}&#10;\usepackage{amsmath}&#10;\pagestyle{empty}&#10;\begin{document}&#10;&#10;&#10;$I_{2(aq)}+2S_2O^{2-}_{3(aq)} $&#10;&#10;\end{document}"/>
-  <p:tag name="IGUANATEXSIZE" val="20"/>
-  <p:tag name="IGUANATEXCURSOR" val="94"/>
-  <p:tag name="TRANSPARENCY" val="Vrai"/>
-  <p:tag name="FILENAME" val=""/>
-  <p:tag name="LATEXENGINEID" val="0"/>
-  <p:tag name="TEMPFOLDER" val="c:\temp\"/>
-  <p:tag name="LATEXFORMHEIGHT" val="312"/>
-  <p:tag name="LATEXFORMWIDTH" val="384"/>
-  <p:tag name="LATEXFORMWRAP" val="Vrai"/>
-  <p:tag name="BITMAPVECTOR" val="0"/>
-</p:tagLst>
-</file>
-
-<file path=ppt/tags/tag61.xml><?xml version="1.0" encoding="utf-8"?>
-<p:tagLst xmlns:a="http://schemas.openxmlformats.org/drawingml/2006/main" xmlns:r="http://schemas.openxmlformats.org/officeDocument/2006/relationships" xmlns:p="http://schemas.openxmlformats.org/presentationml/2006/main">
-  <p:tag name="OUTPUTDPI" val="1200"/>
-  <p:tag name="ORIGINALHEIGHT" val="174,7282"/>
   <p:tag name="ORIGINALWIDTH" val="897,6378"/>
   <p:tag name="LATEXADDIN" val="\documentclass{article}&#10;\usepackage{amsmath}&#10;\pagestyle{empty}&#10;\begin{document}&#10;&#10;$2I^{-}_{(aq)}+S_4O^{2-}_{6(aq)}$&#10;&#10;&#10;\end{document}"/>
   <p:tag name="IGUANATEXSIZE" val="20"/>
@@ -29343,7 +29323,7 @@
 </p:tagLst>
 </file>
 
-<file path=ppt/tags/tag62.xml><?xml version="1.0" encoding="utf-8"?>
+<file path=ppt/tags/tag61.xml><?xml version="1.0" encoding="utf-8"?>
 <p:tagLst xmlns:a="http://schemas.openxmlformats.org/drawingml/2006/main" xmlns:r="http://schemas.openxmlformats.org/officeDocument/2006/relationships" xmlns:p="http://schemas.openxmlformats.org/presentationml/2006/main">
   <p:tag name="OUTPUTDPI" val="1200"/>
   <p:tag name="ORIGINALHEIGHT" val="120,7349"/>
@@ -29351,6 +29331,25 @@
   <p:tag name="LATEXADDIN" val="\documentclass{article}&#10;\usepackage{amsmath}&#10;\pagestyle{empty}&#10;\begin{document}&#10;&#10;$V_{aq}$=50 mL&#10;&#10;&#10;\end{document}"/>
   <p:tag name="IGUANATEXSIZE" val="20"/>
   <p:tag name="IGUANATEXCURSOR" val="89"/>
+  <p:tag name="TRANSPARENCY" val="Vrai"/>
+  <p:tag name="FILENAME" val=""/>
+  <p:tag name="LATEXENGINEID" val="0"/>
+  <p:tag name="TEMPFOLDER" val="c:\temp\"/>
+  <p:tag name="LATEXFORMHEIGHT" val="312"/>
+  <p:tag name="LATEXFORMWIDTH" val="384"/>
+  <p:tag name="LATEXFORMWRAP" val="Vrai"/>
+  <p:tag name="BITMAPVECTOR" val="0"/>
+</p:tagLst>
+</file>
+
+<file path=ppt/tags/tag62.xml><?xml version="1.0" encoding="utf-8"?>
+<p:tagLst xmlns:a="http://schemas.openxmlformats.org/drawingml/2006/main" xmlns:r="http://schemas.openxmlformats.org/officeDocument/2006/relationships" xmlns:p="http://schemas.openxmlformats.org/presentationml/2006/main">
+  <p:tag name="OUTPUTDPI" val="1200"/>
+  <p:tag name="ORIGINALHEIGHT" val="65,24181"/>
+  <p:tag name="ORIGINALWIDTH" val="110,9861"/>
+  <p:tag name="LATEXADDIN" val="\documentclass{article}&#10;\usepackage{amsmath}&#10;\pagestyle{empty}&#10;\begin{document}&#10;&#10;$\rightarrow$&#10;&#10;&#10;\end{document}"/>
+  <p:tag name="IGUANATEXSIZE" val="20"/>
+  <p:tag name="IGUANATEXCURSOR" val="93"/>
   <p:tag name="TRANSPARENCY" val="Vrai"/>
   <p:tag name="FILENAME" val=""/>
   <p:tag name="LATEXENGINEID" val="0"/>
@@ -29384,25 +29383,6 @@
 <file path=ppt/tags/tag64.xml><?xml version="1.0" encoding="utf-8"?>
 <p:tagLst xmlns:a="http://schemas.openxmlformats.org/drawingml/2006/main" xmlns:r="http://schemas.openxmlformats.org/officeDocument/2006/relationships" xmlns:p="http://schemas.openxmlformats.org/presentationml/2006/main">
   <p:tag name="OUTPUTDPI" val="1200"/>
-  <p:tag name="ORIGINALHEIGHT" val="65,24181"/>
-  <p:tag name="ORIGINALWIDTH" val="110,9861"/>
-  <p:tag name="LATEXADDIN" val="\documentclass{article}&#10;\usepackage{amsmath}&#10;\pagestyle{empty}&#10;\begin{document}&#10;&#10;$\rightarrow$&#10;&#10;&#10;\end{document}"/>
-  <p:tag name="IGUANATEXSIZE" val="20"/>
-  <p:tag name="IGUANATEXCURSOR" val="93"/>
-  <p:tag name="TRANSPARENCY" val="Vrai"/>
-  <p:tag name="FILENAME" val=""/>
-  <p:tag name="LATEXENGINEID" val="0"/>
-  <p:tag name="TEMPFOLDER" val="c:\temp\"/>
-  <p:tag name="LATEXFORMHEIGHT" val="312"/>
-  <p:tag name="LATEXFORMWIDTH" val="384"/>
-  <p:tag name="LATEXFORMWRAP" val="Vrai"/>
-  <p:tag name="BITMAPVECTOR" val="0"/>
-</p:tagLst>
-</file>
-
-<file path=ppt/tags/tag65.xml><?xml version="1.0" encoding="utf-8"?>
-<p:tagLst xmlns:a="http://schemas.openxmlformats.org/drawingml/2006/main" xmlns:r="http://schemas.openxmlformats.org/officeDocument/2006/relationships" xmlns:p="http://schemas.openxmlformats.org/presentationml/2006/main">
-  <p:tag name="OUTPUTDPI" val="1200"/>
   <p:tag name="ORIGINALHEIGHT" val="87,73905"/>
   <p:tag name="ORIGINALWIDTH" val="1472,816"/>
   <p:tag name="LATEXADDIN" val="\documentclass{article}&#10;\usepackage{amsmath}&#10;\usepackage{color}&#10;\pagestyle{empty}&#10;\begin{document}&#10;\color{white}{Evaluation des incertitudes}&#10;&#10;&#10;&#10;\end{document}"/>
@@ -29419,7 +29399,7 @@
 </p:tagLst>
 </file>
 
-<file path=ppt/tags/tag66.xml><?xml version="1.0" encoding="utf-8"?>
+<file path=ppt/tags/tag65.xml><?xml version="1.0" encoding="utf-8"?>
 <p:tagLst xmlns:a="http://schemas.openxmlformats.org/drawingml/2006/main" xmlns:r="http://schemas.openxmlformats.org/officeDocument/2006/relationships" xmlns:p="http://schemas.openxmlformats.org/presentationml/2006/main">
   <p:tag name="OUTPUTDPI" val="1200"/>
   <p:tag name="ORIGINALHEIGHT" val="149,2313"/>
